--- a/Lessons/C_R_practice_Viz_MoreEDA/B_Viz_basics.pptx
+++ b/Lessons/C_R_practice_Viz_MoreEDA/B_Viz_basics.pptx
@@ -4466,6 +4466,49 @@
           </a:extLst>
         </p:spPr>
       </p:pic>
+      <p:sp>
+        <p:nvSpPr>
+          <p:cNvPr id="7" name="TextBox 6">
+            <a:extLst>
+              <a:ext uri="{FF2B5EF4-FFF2-40B4-BE49-F238E27FC236}">
+                <a16:creationId xmlns:a16="http://schemas.microsoft.com/office/drawing/2014/main" id="{1DDAB1D5-7490-AA5C-28E4-322EC59C8807}"/>
+              </a:ext>
+            </a:extLst>
+          </p:cNvPr>
+          <p:cNvSpPr txBox="1"/>
+          <p:nvPr/>
+        </p:nvSpPr>
+        <p:spPr>
+          <a:xfrm>
+            <a:off x="1506682" y="1673944"/>
+            <a:ext cx="4572000" cy="369332"/>
+          </a:xfrm>
+          <a:prstGeom prst="rect">
+            <a:avLst/>
+          </a:prstGeom>
+          <a:noFill/>
+        </p:spPr>
+        <p:txBody>
+          <a:bodyPr wrap="square">
+            <a:spAutoFit/>
+          </a:bodyPr>
+          <a:lstStyle/>
+          <a:p>
+            <a:r>
+              <a:rPr lang="en-US" dirty="0"/>
+              <a:t>https://r-</a:t>
+            </a:r>
+            <a:r>
+              <a:rPr lang="en-US" dirty="0" err="1"/>
+              <a:t>graphics.org</a:t>
+            </a:r>
+            <a:r>
+              <a:rPr lang="en-US" dirty="0"/>
+              <a:t>/</a:t>
+            </a:r>
+          </a:p>
+        </p:txBody>
+      </p:sp>
     </p:spTree>
     <p:extLst>
       <p:ext uri="{BB962C8B-B14F-4D97-AF65-F5344CB8AC3E}">
@@ -4980,7 +5023,13 @@
           <p:cNvGraphicFramePr>
             <a:graphicFrameLocks noGrp="1"/>
           </p:cNvGraphicFramePr>
-          <p:nvPr/>
+          <p:nvPr>
+            <p:extLst>
+              <p:ext uri="{D42A27DB-BD31-4B8C-83A1-F6EECF244321}">
+                <p14:modId xmlns:p14="http://schemas.microsoft.com/office/powerpoint/2010/main" val="116825943"/>
+              </p:ext>
+            </p:extLst>
+          </p:nvPr>
         </p:nvGraphicFramePr>
         <p:xfrm>
           <a:off x="971867" y="2558964"/>
@@ -5018,7 +5067,7 @@
                         <a:rPr lang="en-US" dirty="0">
                           <a:latin typeface="Arial Unicode MS" panose="020B0604020202020204" pitchFamily="34" charset="-128"/>
                         </a:rPr>
-                        <a:t>word</a:t>
+                        <a:t>Variable</a:t>
                       </a:r>
                     </a:p>
                   </a:txBody>
@@ -5058,7 +5107,7 @@
                         <a:rPr lang="en-US" dirty="0">
                           <a:latin typeface="Arial Unicode MS" panose="020B0604020202020204" pitchFamily="34" charset="-128"/>
                         </a:rPr>
-                        <a:t>Term1</a:t>
+                        <a:t>Grp1</a:t>
                       </a:r>
                     </a:p>
                   </a:txBody>
@@ -5095,7 +5144,7 @@
                         <a:rPr lang="en-US" dirty="0">
                           <a:latin typeface="Arial Unicode MS" panose="020B0604020202020204" pitchFamily="34" charset="-128"/>
                         </a:rPr>
-                        <a:t>Term2</a:t>
+                        <a:t>Grp2</a:t>
                       </a:r>
                     </a:p>
                   </a:txBody>
@@ -5132,7 +5181,7 @@
                         <a:rPr lang="en-US" dirty="0">
                           <a:latin typeface="Arial Unicode MS" panose="020B0604020202020204" pitchFamily="34" charset="-128"/>
                         </a:rPr>
-                        <a:t>Term3</a:t>
+                        <a:t>Grp3</a:t>
                       </a:r>
                     </a:p>
                   </a:txBody>
@@ -5206,7 +5255,7 @@
                         <a:rPr lang="en-US" dirty="0" err="1">
                           <a:latin typeface="Arial Unicode MS" panose="020B0604020202020204" pitchFamily="34" charset="-128"/>
                         </a:rPr>
-                        <a:t>Term_n</a:t>
+                        <a:t>Grp_n</a:t>
                       </a:r>
                       <a:endParaRPr lang="en-US" dirty="0">
                         <a:latin typeface="Arial Unicode MS" panose="020B0604020202020204" pitchFamily="34" charset="-128"/>

--- a/Lessons/C_R_practice_Viz_MoreEDA/B_Viz_basics.pptx
+++ b/Lessons/C_R_practice_Viz_MoreEDA/B_Viz_basics.pptx
@@ -5,16 +5,17 @@
     <p:sldMasterId id="2147483672" r:id="rId1"/>
   </p:sldMasterIdLst>
   <p:notesMasterIdLst>
-    <p:notesMasterId r:id="rId9"/>
+    <p:notesMasterId r:id="rId10"/>
   </p:notesMasterIdLst>
   <p:sldIdLst>
     <p:sldId id="815" r:id="rId2"/>
     <p:sldId id="816" r:id="rId3"/>
-    <p:sldId id="817" r:id="rId4"/>
-    <p:sldId id="751" r:id="rId5"/>
-    <p:sldId id="754" r:id="rId6"/>
-    <p:sldId id="755" r:id="rId7"/>
-    <p:sldId id="814" r:id="rId8"/>
+    <p:sldId id="818" r:id="rId4"/>
+    <p:sldId id="817" r:id="rId5"/>
+    <p:sldId id="751" r:id="rId6"/>
+    <p:sldId id="754" r:id="rId7"/>
+    <p:sldId id="755" r:id="rId8"/>
+    <p:sldId id="814" r:id="rId9"/>
   </p:sldIdLst>
   <p:sldSz cx="9144000" cy="6858000" type="screen4x3"/>
   <p:notesSz cx="7010400" cy="9296400"/>
@@ -203,7 +204,7 @@
           <a:p>
             <a:fld id="{C333ABA6-B72D-4ED4-A6E7-13A0DAE65F1A}" type="datetimeFigureOut">
               <a:rPr lang="en-US" smtClean="0"/>
-              <a:t>9/5/22</a:t>
+              <a:t>9/19/22</a:t>
             </a:fld>
             <a:endParaRPr lang="en-US"/>
           </a:p>
@@ -602,7 +603,7 @@
           <a:p>
             <a:fld id="{5738B90E-0779-4C36-915C-6F05FCD89456}" type="datetime1">
               <a:rPr lang="en-US" smtClean="0"/>
-              <a:t>9/5/22</a:t>
+              <a:t>9/19/22</a:t>
             </a:fld>
             <a:endParaRPr lang="en-US"/>
           </a:p>
@@ -820,7 +821,7 @@
           <a:p>
             <a:fld id="{7B9EA29D-D431-42FE-B7B6-AAE4454C77D3}" type="datetime1">
               <a:rPr lang="en-US" smtClean="0"/>
-              <a:t>9/5/22</a:t>
+              <a:t>9/19/22</a:t>
             </a:fld>
             <a:endParaRPr lang="en-US"/>
           </a:p>
@@ -1080,7 +1081,7 @@
           <a:p>
             <a:fld id="{690D8A1E-EA8F-46C1-B891-AE0C00D9C314}" type="datetime1">
               <a:rPr lang="en-US" smtClean="0"/>
-              <a:t>9/5/22</a:t>
+              <a:t>9/19/22</a:t>
             </a:fld>
             <a:endParaRPr lang="en-US"/>
           </a:p>
@@ -1374,7 +1375,7 @@
           <a:p>
             <a:fld id="{D753EFC8-4232-4598-94F6-94C0EBAFC469}" type="datetime1">
               <a:rPr lang="en-US" smtClean="0"/>
-              <a:t>9/5/22</a:t>
+              <a:t>9/19/22</a:t>
             </a:fld>
             <a:endParaRPr lang="en-US"/>
           </a:p>
@@ -1689,7 +1690,7 @@
           <a:p>
             <a:fld id="{F3161074-1C18-4AE7-957D-F18524378C85}" type="datetime1">
               <a:rPr lang="en-US" smtClean="0"/>
-              <a:t>9/5/22</a:t>
+              <a:t>9/19/22</a:t>
             </a:fld>
             <a:endParaRPr lang="en-US"/>
           </a:p>
@@ -1963,7 +1964,7 @@
           <a:p>
             <a:fld id="{69BE256C-8D9A-4404-B47D-41A1AE514425}" type="datetime1">
               <a:rPr lang="en-US" smtClean="0"/>
-              <a:t>9/5/22</a:t>
+              <a:t>9/19/22</a:t>
             </a:fld>
             <a:endParaRPr lang="en-US"/>
           </a:p>
@@ -2397,7 +2398,7 @@
           <a:p>
             <a:fld id="{66CB2154-9035-4012-8189-BAAB61C5A5EE}" type="datetime1">
               <a:rPr lang="en-US" smtClean="0"/>
-              <a:t>9/5/22</a:t>
+              <a:t>9/19/22</a:t>
             </a:fld>
             <a:endParaRPr lang="en-US"/>
           </a:p>
@@ -2571,7 +2572,7 @@
           <a:p>
             <a:fld id="{6700A58B-DD98-43D0-B791-721480A02982}" type="datetime1">
               <a:rPr lang="en-US" smtClean="0"/>
-              <a:t>9/5/22</a:t>
+              <a:t>9/19/22</a:t>
             </a:fld>
             <a:endParaRPr lang="en-US"/>
           </a:p>
@@ -2763,7 +2764,7 @@
           <a:p>
             <a:fld id="{7DB6E382-4F61-4E24-BE1A-377EC83D0E3A}" type="datetime1">
               <a:rPr lang="en-US" smtClean="0"/>
-              <a:t>9/5/22</a:t>
+              <a:t>9/19/22</a:t>
             </a:fld>
             <a:endParaRPr lang="en-US"/>
           </a:p>
@@ -3074,7 +3075,7 @@
           <a:p>
             <a:fld id="{4142EED6-FC16-45B9-B8C4-2BC5DBA88325}" type="datetime1">
               <a:rPr lang="en-US" smtClean="0"/>
-              <a:t>9/5/22</a:t>
+              <a:t>9/19/22</a:t>
             </a:fld>
             <a:endParaRPr lang="en-US"/>
           </a:p>
@@ -3392,7 +3393,7 @@
           <a:p>
             <a:fld id="{DF59512B-4F1D-43D7-8819-2F53FEF69650}" type="datetime1">
               <a:rPr lang="en-US" smtClean="0"/>
-              <a:t>9/5/22</a:t>
+              <a:t>9/19/22</a:t>
             </a:fld>
             <a:endParaRPr lang="en-US"/>
           </a:p>
@@ -3668,7 +3669,7 @@
           <a:p>
             <a:fld id="{08437B94-E2BF-44DC-ADC5-B05FC9934E9D}" type="datetime1">
               <a:rPr lang="en-US" smtClean="0"/>
-              <a:t>9/5/22</a:t>
+              <a:t>9/19/22</a:t>
             </a:fld>
             <a:endParaRPr lang="en-US"/>
           </a:p>
@@ -4135,7 +4136,7 @@
           <a:p>
             <a:fld id="{6700A58B-DD98-43D0-B791-721480A02982}" type="datetime1">
               <a:rPr lang="en-US" smtClean="0"/>
-              <a:t>9/5/22</a:t>
+              <a:t>9/19/22</a:t>
             </a:fld>
             <a:endParaRPr lang="en-US"/>
           </a:p>
@@ -4316,7 +4317,7 @@
           <a:p>
             <a:fld id="{6700A58B-DD98-43D0-B791-721480A02982}" type="datetime1">
               <a:rPr lang="en-US" smtClean="0"/>
-              <a:t>9/5/22</a:t>
+              <a:t>9/19/22</a:t>
             </a:fld>
             <a:endParaRPr lang="en-US"/>
           </a:p>
@@ -4408,100 +4409,6 @@
           </a:p>
         </p:txBody>
       </p:sp>
-      <p:pic>
-        <p:nvPicPr>
-          <p:cNvPr id="1026" name="Picture 2" descr="Vineyard Harbor Motel">
-            <a:extLst>
-              <a:ext uri="{FF2B5EF4-FFF2-40B4-BE49-F238E27FC236}">
-                <a16:creationId xmlns:a16="http://schemas.microsoft.com/office/drawing/2014/main" id="{A62C6FDD-A352-6687-B002-5F21682A197B}"/>
-              </a:ext>
-            </a:extLst>
-          </p:cNvPr>
-          <p:cNvPicPr>
-            <a:picLocks noChangeAspect="1" noChangeArrowheads="1"/>
-          </p:cNvPicPr>
-          <p:nvPr/>
-        </p:nvPicPr>
-        <p:blipFill>
-          <a:blip>
-            <a:extLst>
-              <a:ext uri="{28A0092B-C50C-407E-A947-70E740481C1C}">
-                <a14:useLocalDpi xmlns:a14="http://schemas.microsoft.com/office/drawing/2010/main" val="0"/>
-              </a:ext>
-            </a:extLst>
-          </a:blip>
-          <a:srcRect/>
-          <a:stretch>
-            <a:fillRect/>
-          </a:stretch>
-        </p:blipFill>
-        <p:spPr bwMode="auto">
-          <a:xfrm>
-            <a:off x="628650" y="3901286"/>
-            <a:ext cx="2059052" cy="1139344"/>
-          </a:xfrm>
-          <a:prstGeom prst="rect">
-            <a:avLst/>
-          </a:prstGeom>
-          <a:noFill/>
-          <a:extLst>
-            <a:ext uri="{909E8E84-426E-40DD-AFC4-6F175D3DCCD1}">
-              <a14:hiddenFill xmlns:a14="http://schemas.microsoft.com/office/drawing/2010/main">
-                <a:solidFill>
-                  <a:srgbClr val="FFFFFF"/>
-                </a:solidFill>
-              </a14:hiddenFill>
-            </a:ext>
-          </a:extLst>
-        </p:spPr>
-      </p:pic>
-      <p:pic>
-        <p:nvPicPr>
-          <p:cNvPr id="1028" name="Picture 4" descr="Vineyard Harbor Motel in Tisbury, MA - Martha's Vineyard Lodging Association">
-            <a:extLst>
-              <a:ext uri="{FF2B5EF4-FFF2-40B4-BE49-F238E27FC236}">
-                <a16:creationId xmlns:a16="http://schemas.microsoft.com/office/drawing/2014/main" id="{714B011A-70F8-0C1B-DDF0-C07F28E082F8}"/>
-              </a:ext>
-            </a:extLst>
-          </p:cNvPr>
-          <p:cNvPicPr>
-            <a:picLocks noChangeAspect="1" noChangeArrowheads="1"/>
-          </p:cNvPicPr>
-          <p:nvPr/>
-        </p:nvPicPr>
-        <p:blipFill>
-          <a:blip>
-            <a:extLst>
-              <a:ext uri="{28A0092B-C50C-407E-A947-70E740481C1C}">
-                <a14:useLocalDpi xmlns:a14="http://schemas.microsoft.com/office/drawing/2010/main" val="0"/>
-              </a:ext>
-            </a:extLst>
-          </a:blip>
-          <a:srcRect/>
-          <a:stretch>
-            <a:fillRect/>
-          </a:stretch>
-        </p:blipFill>
-        <p:spPr bwMode="auto">
-          <a:xfrm>
-            <a:off x="3348990" y="3429000"/>
-            <a:ext cx="2766060" cy="1840678"/>
-          </a:xfrm>
-          <a:prstGeom prst="rect">
-            <a:avLst/>
-          </a:prstGeom>
-          <a:noFill/>
-          <a:extLst>
-            <a:ext uri="{909E8E84-426E-40DD-AFC4-6F175D3DCCD1}">
-              <a14:hiddenFill xmlns:a14="http://schemas.microsoft.com/office/drawing/2010/main">
-                <a:solidFill>
-                  <a:srgbClr val="FFFFFF"/>
-                </a:solidFill>
-              </a14:hiddenFill>
-            </a:ext>
-          </a:extLst>
-        </p:spPr>
-      </p:pic>
       <p:sp>
         <p:nvSpPr>
           <p:cNvPr id="7" name="TextBox 6">
@@ -4623,7 +4530,7 @@
           <p:cNvPr id="2" name="Date Placeholder 1">
             <a:extLst>
               <a:ext uri="{FF2B5EF4-FFF2-40B4-BE49-F238E27FC236}">
-                <a16:creationId xmlns:a16="http://schemas.microsoft.com/office/drawing/2014/main" id="{E8394BCC-A222-AB04-48B6-BFD65AFDFB6B}"/>
+                <a16:creationId xmlns:a16="http://schemas.microsoft.com/office/drawing/2014/main" id="{5C6D9259-ECB6-9EF0-8945-C061E5AD9B19}"/>
               </a:ext>
             </a:extLst>
           </p:cNvPr>
@@ -4641,7 +4548,7 @@
           <a:p>
             <a:fld id="{6700A58B-DD98-43D0-B791-721480A02982}" type="datetime1">
               <a:rPr lang="en-US" smtClean="0"/>
-              <a:t>9/5/22</a:t>
+              <a:t>9/19/22</a:t>
             </a:fld>
             <a:endParaRPr lang="en-US"/>
           </a:p>
@@ -4652,7 +4559,7 @@
           <p:cNvPr id="3" name="Title 2">
             <a:extLst>
               <a:ext uri="{FF2B5EF4-FFF2-40B4-BE49-F238E27FC236}">
-                <a16:creationId xmlns:a16="http://schemas.microsoft.com/office/drawing/2014/main" id="{B97FAE37-4E81-7CA9-C716-AC20191CB4B4}"/>
+                <a16:creationId xmlns:a16="http://schemas.microsoft.com/office/drawing/2014/main" id="{8DE3A242-4D33-ECCC-E112-0831F32A2DC1}"/>
               </a:ext>
             </a:extLst>
           </p:cNvPr>
@@ -4668,10 +4575,7 @@
           <a:bodyPr/>
           <a:lstStyle/>
           <a:p>
-            <a:r>
-              <a:rPr lang="en-US" dirty="0"/>
-              <a:t>Avoid pie, donut &amp; 3d!</a:t>
-            </a:r>
+            <a:endParaRPr lang="en-US"/>
           </a:p>
         </p:txBody>
       </p:sp>
@@ -4680,7 +4584,7 @@
           <p:cNvPr id="4" name="Slide Number Placeholder 3">
             <a:extLst>
               <a:ext uri="{FF2B5EF4-FFF2-40B4-BE49-F238E27FC236}">
-                <a16:creationId xmlns:a16="http://schemas.microsoft.com/office/drawing/2014/main" id="{52615CDE-38C7-910A-B597-700EF976C0E8}"/>
+                <a16:creationId xmlns:a16="http://schemas.microsoft.com/office/drawing/2014/main" id="{16C5BD26-2B5B-0BA0-8372-172F10564196}"/>
               </a:ext>
             </a:extLst>
           </p:cNvPr>
@@ -4709,7 +4613,7 @@
           <p:cNvPr id="5" name="Footer Placeholder 4">
             <a:extLst>
               <a:ext uri="{FF2B5EF4-FFF2-40B4-BE49-F238E27FC236}">
-                <a16:creationId xmlns:a16="http://schemas.microsoft.com/office/drawing/2014/main" id="{D546B78C-E7E1-195F-10D4-353776F7143D}"/>
+                <a16:creationId xmlns:a16="http://schemas.microsoft.com/office/drawing/2014/main" id="{FE38DF75-4507-692A-3C17-E919DAB50A34}"/>
               </a:ext>
             </a:extLst>
           </p:cNvPr>
@@ -4733,10 +4637,83 @@
           </a:p>
         </p:txBody>
       </p:sp>
+      <p:pic>
+        <p:nvPicPr>
+          <p:cNvPr id="6" name="Picture 5">
+            <a:extLst>
+              <a:ext uri="{FF2B5EF4-FFF2-40B4-BE49-F238E27FC236}">
+                <a16:creationId xmlns:a16="http://schemas.microsoft.com/office/drawing/2014/main" id="{710617DB-E9C7-660B-C19B-4F571582FDEB}"/>
+              </a:ext>
+            </a:extLst>
+          </p:cNvPr>
+          <p:cNvPicPr>
+            <a:picLocks noChangeAspect="1"/>
+          </p:cNvPicPr>
+          <p:nvPr/>
+        </p:nvPicPr>
+        <p:blipFill>
+          <a:blip r:embed="rId2"/>
+          <a:stretch>
+            <a:fillRect/>
+          </a:stretch>
+        </p:blipFill>
+        <p:spPr>
+          <a:xfrm>
+            <a:off x="685800" y="968889"/>
+            <a:ext cx="7772400" cy="4920222"/>
+          </a:xfrm>
+          <a:prstGeom prst="rect">
+            <a:avLst/>
+          </a:prstGeom>
+        </p:spPr>
+      </p:pic>
+      <p:sp>
+        <p:nvSpPr>
+          <p:cNvPr id="8" name="TextBox 7">
+            <a:extLst>
+              <a:ext uri="{FF2B5EF4-FFF2-40B4-BE49-F238E27FC236}">
+                <a16:creationId xmlns:a16="http://schemas.microsoft.com/office/drawing/2014/main" id="{25C96DDC-5274-5C1A-1D7A-0E7A2A6CC61D}"/>
+              </a:ext>
+            </a:extLst>
+          </p:cNvPr>
+          <p:cNvSpPr txBox="1"/>
+          <p:nvPr/>
+        </p:nvSpPr>
+        <p:spPr>
+          <a:xfrm>
+            <a:off x="480060" y="5987019"/>
+            <a:ext cx="4572000" cy="369332"/>
+          </a:xfrm>
+          <a:prstGeom prst="rect">
+            <a:avLst/>
+          </a:prstGeom>
+          <a:noFill/>
+        </p:spPr>
+        <p:txBody>
+          <a:bodyPr wrap="square">
+            <a:spAutoFit/>
+          </a:bodyPr>
+          <a:lstStyle/>
+          <a:p>
+            <a:r>
+              <a:rPr lang="en-US" dirty="0"/>
+              <a:t>https://r-</a:t>
+            </a:r>
+            <a:r>
+              <a:rPr lang="en-US" dirty="0" err="1"/>
+              <a:t>graphics.org</a:t>
+            </a:r>
+            <a:r>
+              <a:rPr lang="en-US" dirty="0"/>
+              <a:t>/</a:t>
+            </a:r>
+          </a:p>
+        </p:txBody>
+      </p:sp>
     </p:spTree>
     <p:extLst>
       <p:ext uri="{BB962C8B-B14F-4D97-AF65-F5344CB8AC3E}">
-        <p14:creationId xmlns:p14="http://schemas.microsoft.com/office/powerpoint/2010/main" val="3497631712"/>
+        <p14:creationId xmlns:p14="http://schemas.microsoft.com/office/powerpoint/2010/main" val="1213930958"/>
       </p:ext>
     </p:extLst>
   </p:cSld>
@@ -4768,6 +4745,151 @@
           <p:cNvPr id="2" name="Date Placeholder 1">
             <a:extLst>
               <a:ext uri="{FF2B5EF4-FFF2-40B4-BE49-F238E27FC236}">
+                <a16:creationId xmlns:a16="http://schemas.microsoft.com/office/drawing/2014/main" id="{E8394BCC-A222-AB04-48B6-BFD65AFDFB6B}"/>
+              </a:ext>
+            </a:extLst>
+          </p:cNvPr>
+          <p:cNvSpPr>
+            <a:spLocks noGrp="1"/>
+          </p:cNvSpPr>
+          <p:nvPr>
+            <p:ph type="dt" sz="half" idx="10"/>
+          </p:nvPr>
+        </p:nvSpPr>
+        <p:spPr/>
+        <p:txBody>
+          <a:bodyPr/>
+          <a:lstStyle/>
+          <a:p>
+            <a:fld id="{6700A58B-DD98-43D0-B791-721480A02982}" type="datetime1">
+              <a:rPr lang="en-US" smtClean="0"/>
+              <a:t>9/19/22</a:t>
+            </a:fld>
+            <a:endParaRPr lang="en-US"/>
+          </a:p>
+        </p:txBody>
+      </p:sp>
+      <p:sp>
+        <p:nvSpPr>
+          <p:cNvPr id="3" name="Title 2">
+            <a:extLst>
+              <a:ext uri="{FF2B5EF4-FFF2-40B4-BE49-F238E27FC236}">
+                <a16:creationId xmlns:a16="http://schemas.microsoft.com/office/drawing/2014/main" id="{B97FAE37-4E81-7CA9-C716-AC20191CB4B4}"/>
+              </a:ext>
+            </a:extLst>
+          </p:cNvPr>
+          <p:cNvSpPr>
+            <a:spLocks noGrp="1"/>
+          </p:cNvSpPr>
+          <p:nvPr>
+            <p:ph type="title"/>
+          </p:nvPr>
+        </p:nvSpPr>
+        <p:spPr/>
+        <p:txBody>
+          <a:bodyPr/>
+          <a:lstStyle/>
+          <a:p>
+            <a:r>
+              <a:rPr lang="en-US" dirty="0"/>
+              <a:t>Avoid pie, donut &amp; 3d!</a:t>
+            </a:r>
+          </a:p>
+        </p:txBody>
+      </p:sp>
+      <p:sp>
+        <p:nvSpPr>
+          <p:cNvPr id="4" name="Slide Number Placeholder 3">
+            <a:extLst>
+              <a:ext uri="{FF2B5EF4-FFF2-40B4-BE49-F238E27FC236}">
+                <a16:creationId xmlns:a16="http://schemas.microsoft.com/office/drawing/2014/main" id="{52615CDE-38C7-910A-B597-700EF976C0E8}"/>
+              </a:ext>
+            </a:extLst>
+          </p:cNvPr>
+          <p:cNvSpPr>
+            <a:spLocks noGrp="1"/>
+          </p:cNvSpPr>
+          <p:nvPr>
+            <p:ph type="sldNum" sz="quarter" idx="12"/>
+          </p:nvPr>
+        </p:nvSpPr>
+        <p:spPr/>
+        <p:txBody>
+          <a:bodyPr/>
+          <a:lstStyle/>
+          <a:p>
+            <a:fld id="{37290FF7-652B-4475-AEAB-8B1A5D23AE09}" type="slidenum">
+              <a:rPr lang="en-US" smtClean="0"/>
+              <a:t>4</a:t>
+            </a:fld>
+            <a:endParaRPr lang="en-US"/>
+          </a:p>
+        </p:txBody>
+      </p:sp>
+      <p:sp>
+        <p:nvSpPr>
+          <p:cNvPr id="5" name="Footer Placeholder 4">
+            <a:extLst>
+              <a:ext uri="{FF2B5EF4-FFF2-40B4-BE49-F238E27FC236}">
+                <a16:creationId xmlns:a16="http://schemas.microsoft.com/office/drawing/2014/main" id="{D546B78C-E7E1-195F-10D4-353776F7143D}"/>
+              </a:ext>
+            </a:extLst>
+          </p:cNvPr>
+          <p:cNvSpPr>
+            <a:spLocks noGrp="1"/>
+          </p:cNvSpPr>
+          <p:nvPr>
+            <p:ph type="ftr" sz="quarter" idx="3"/>
+          </p:nvPr>
+        </p:nvSpPr>
+        <p:spPr/>
+        <p:txBody>
+          <a:bodyPr/>
+          <a:lstStyle/>
+          <a:p>
+            <a:r>
+              <a:rPr lang="en-US"/>
+              <a:t>Kwartler CSCI S-96</a:t>
+            </a:r>
+            <a:endParaRPr lang="en-US" dirty="0"/>
+          </a:p>
+        </p:txBody>
+      </p:sp>
+    </p:spTree>
+    <p:extLst>
+      <p:ext uri="{BB962C8B-B14F-4D97-AF65-F5344CB8AC3E}">
+        <p14:creationId xmlns:p14="http://schemas.microsoft.com/office/powerpoint/2010/main" val="3497631712"/>
+      </p:ext>
+    </p:extLst>
+  </p:cSld>
+  <p:clrMapOvr>
+    <a:masterClrMapping/>
+  </p:clrMapOvr>
+</p:sld>
+</file>
+
+<file path=ppt/slides/slide5.xml><?xml version="1.0" encoding="utf-8"?>
+<p:sld xmlns:a="http://schemas.openxmlformats.org/drawingml/2006/main" xmlns:r="http://schemas.openxmlformats.org/officeDocument/2006/relationships" xmlns:p="http://schemas.openxmlformats.org/presentationml/2006/main">
+  <p:cSld>
+    <p:spTree>
+      <p:nvGrpSpPr>
+        <p:cNvPr id="1" name=""/>
+        <p:cNvGrpSpPr/>
+        <p:nvPr/>
+      </p:nvGrpSpPr>
+      <p:grpSpPr>
+        <a:xfrm>
+          <a:off x="0" y="0"/>
+          <a:ext cx="0" cy="0"/>
+          <a:chOff x="0" y="0"/>
+          <a:chExt cx="0" cy="0"/>
+        </a:xfrm>
+      </p:grpSpPr>
+      <p:sp>
+        <p:nvSpPr>
+          <p:cNvPr id="2" name="Date Placeholder 1">
+            <a:extLst>
+              <a:ext uri="{FF2B5EF4-FFF2-40B4-BE49-F238E27FC236}">
                 <a16:creationId xmlns:a16="http://schemas.microsoft.com/office/drawing/2014/main" id="{7AAF5771-B35D-48F0-A28C-C4C255046893}"/>
               </a:ext>
             </a:extLst>
@@ -4786,7 +4908,7 @@
           <a:p>
             <a:fld id="{6700A58B-DD98-43D0-B791-721480A02982}" type="datetime1">
               <a:rPr lang="en-US" smtClean="0"/>
-              <a:t>9/5/22</a:t>
+              <a:t>9/19/22</a:t>
             </a:fld>
             <a:endParaRPr lang="en-US"/>
           </a:p>
@@ -4980,7 +5102,7 @@
             <a:fld id="{37290FF7-652B-4475-AEAB-8B1A5D23AE09}" type="slidenum">
               <a:rPr lang="en-US" smtClean="0"/>
               <a:pPr/>
-              <a:t>4</a:t>
+              <a:t>5</a:t>
             </a:fld>
             <a:endParaRPr lang="en-US"/>
           </a:p>
@@ -5585,7 +5707,7 @@
 </p:sld>
 </file>
 
-<file path=ppt/slides/slide5.xml><?xml version="1.0" encoding="utf-8"?>
+<file path=ppt/slides/slide6.xml><?xml version="1.0" encoding="utf-8"?>
 <p:sld xmlns:a="http://schemas.openxmlformats.org/drawingml/2006/main" xmlns:r="http://schemas.openxmlformats.org/officeDocument/2006/relationships" xmlns:p="http://schemas.openxmlformats.org/presentationml/2006/main">
   <p:cSld>
     <p:spTree>
@@ -5625,7 +5747,7 @@
           <a:p>
             <a:fld id="{6700A58B-DD98-43D0-B791-721480A02982}" type="datetime1">
               <a:rPr lang="en-US" smtClean="0"/>
-              <a:t>9/5/22</a:t>
+              <a:t>9/19/22</a:t>
             </a:fld>
             <a:endParaRPr lang="en-US"/>
           </a:p>
@@ -5819,7 +5941,7 @@
             <a:fld id="{37290FF7-652B-4475-AEAB-8B1A5D23AE09}" type="slidenum">
               <a:rPr lang="en-US" smtClean="0"/>
               <a:pPr/>
-              <a:t>5</a:t>
+              <a:t>6</a:t>
             </a:fld>
             <a:endParaRPr lang="en-US"/>
           </a:p>
@@ -6023,7 +6145,7 @@
 </p:sld>
 </file>
 
-<file path=ppt/slides/slide6.xml><?xml version="1.0" encoding="utf-8"?>
+<file path=ppt/slides/slide7.xml><?xml version="1.0" encoding="utf-8"?>
 <p:sld xmlns:a="http://schemas.openxmlformats.org/drawingml/2006/main" xmlns:r="http://schemas.openxmlformats.org/officeDocument/2006/relationships" xmlns:p="http://schemas.openxmlformats.org/presentationml/2006/main">
   <p:cSld>
     <p:spTree>
@@ -6063,7 +6185,7 @@
           <a:p>
             <a:fld id="{6700A58B-DD98-43D0-B791-721480A02982}" type="datetime1">
               <a:rPr lang="en-US" smtClean="0"/>
-              <a:t>9/5/22</a:t>
+              <a:t>9/19/22</a:t>
             </a:fld>
             <a:endParaRPr lang="en-US"/>
           </a:p>
@@ -6257,7 +6379,7 @@
             <a:fld id="{37290FF7-652B-4475-AEAB-8B1A5D23AE09}" type="slidenum">
               <a:rPr lang="en-US" smtClean="0"/>
               <a:pPr/>
-              <a:t>6</a:t>
+              <a:t>7</a:t>
             </a:fld>
             <a:endParaRPr lang="en-US"/>
           </a:p>
@@ -6477,7 +6599,7 @@
 </p:sld>
 </file>
 
-<file path=ppt/slides/slide7.xml><?xml version="1.0" encoding="utf-8"?>
+<file path=ppt/slides/slide8.xml><?xml version="1.0" encoding="utf-8"?>
 <p:sld xmlns:a="http://schemas.openxmlformats.org/drawingml/2006/main" xmlns:r="http://schemas.openxmlformats.org/officeDocument/2006/relationships" xmlns:p="http://schemas.openxmlformats.org/presentationml/2006/main">
   <p:cSld>
     <p:spTree>
@@ -6511,7 +6633,7 @@
           <a:p>
             <a:fld id="{6700A58B-DD98-43D0-B791-721480A02982}" type="datetime1">
               <a:rPr lang="en-US" smtClean="0"/>
-              <a:t>9/5/22</a:t>
+              <a:t>9/19/22</a:t>
             </a:fld>
             <a:endParaRPr lang="en-US"/>
           </a:p>
@@ -6687,7 +6809,7 @@
             <a:fld id="{37290FF7-652B-4475-AEAB-8B1A5D23AE09}" type="slidenum">
               <a:rPr lang="en-US" smtClean="0"/>
               <a:pPr/>
-              <a:t>7</a:t>
+              <a:t>8</a:t>
             </a:fld>
             <a:endParaRPr lang="en-US" dirty="0"/>
           </a:p>
